--- a/ppt 16-9/0474.宣教的异象.pptx
+++ b/ppt 16-9/0474.宣教的异象.pptx
@@ -5,7 +5,7 @@
     <p:sldMasterId id="2147483648" r:id="rId1"/>
   </p:sldMasterIdLst>
   <p:sldIdLst>
-    <p:sldId id="2978" r:id="rId2"/>
+    <p:sldId id="2979" r:id="rId2"/>
   </p:sldIdLst>
   <p:sldSz cx="12192000" cy="6858000"/>
   <p:notesSz cx="6858000" cy="9144000"/>
@@ -129,7 +129,7 @@
           <p:cNvPr id="2" name="标题 1">
             <a:extLst>
               <a:ext uri="{FF2B5EF4-FFF2-40B4-BE49-F238E27FC236}">
-                <a16:creationId xmlns:a16="http://schemas.microsoft.com/office/drawing/2014/main" id="{6E1ADB5B-2564-DBC5-5D65-2457AA370257}"/>
+                <a16:creationId xmlns:a16="http://schemas.microsoft.com/office/drawing/2014/main" id="{4161B745-7EE2-4D1D-83E7-8A20FF98A33B}"/>
               </a:ext>
             </a:extLst>
           </p:cNvPr>
@@ -166,7 +166,7 @@
           <p:cNvPr id="3" name="副标题 2">
             <a:extLst>
               <a:ext uri="{FF2B5EF4-FFF2-40B4-BE49-F238E27FC236}">
-                <a16:creationId xmlns:a16="http://schemas.microsoft.com/office/drawing/2014/main" id="{DBF8243C-7F65-F15C-5C19-74D17D003AC9}"/>
+                <a16:creationId xmlns:a16="http://schemas.microsoft.com/office/drawing/2014/main" id="{47B818C5-9AEE-B9FB-F06C-D80DFBA55FE5}"/>
               </a:ext>
             </a:extLst>
           </p:cNvPr>
@@ -236,7 +236,7 @@
           <p:cNvPr id="4" name="日期占位符 3">
             <a:extLst>
               <a:ext uri="{FF2B5EF4-FFF2-40B4-BE49-F238E27FC236}">
-                <a16:creationId xmlns:a16="http://schemas.microsoft.com/office/drawing/2014/main" id="{0DC34DBF-E33D-D6A5-9473-5FEFACC1D156}"/>
+                <a16:creationId xmlns:a16="http://schemas.microsoft.com/office/drawing/2014/main" id="{83FB12E0-642E-E520-5908-0EDAE66697B4}"/>
               </a:ext>
             </a:extLst>
           </p:cNvPr>
@@ -252,7 +252,7 @@
           <a:bodyPr/>
           <a:lstStyle/>
           <a:p>
-            <a:fld id="{F24AEA26-3735-4509-9CBB-0D51C3C85FDC}" type="datetimeFigureOut">
+            <a:fld id="{B11D835C-9404-46E4-9510-73B77BD41D2A}" type="datetimeFigureOut">
               <a:rPr lang="zh-CN" altLang="en-US" smtClean="0"/>
               <a:t>2024/3/10</a:t>
             </a:fld>
@@ -265,7 +265,7 @@
           <p:cNvPr id="5" name="页脚占位符 4">
             <a:extLst>
               <a:ext uri="{FF2B5EF4-FFF2-40B4-BE49-F238E27FC236}">
-                <a16:creationId xmlns:a16="http://schemas.microsoft.com/office/drawing/2014/main" id="{7589C667-FBB5-E653-E8FD-6F48199DA9F5}"/>
+                <a16:creationId xmlns:a16="http://schemas.microsoft.com/office/drawing/2014/main" id="{6F515874-CF65-D56E-4BDB-2816F0061CDA}"/>
               </a:ext>
             </a:extLst>
           </p:cNvPr>
@@ -290,7 +290,7 @@
           <p:cNvPr id="6" name="灯片编号占位符 5">
             <a:extLst>
               <a:ext uri="{FF2B5EF4-FFF2-40B4-BE49-F238E27FC236}">
-                <a16:creationId xmlns:a16="http://schemas.microsoft.com/office/drawing/2014/main" id="{C5DEF664-8B28-B21A-4470-94CCCF3C1BE2}"/>
+                <a16:creationId xmlns:a16="http://schemas.microsoft.com/office/drawing/2014/main" id="{B8FDD66E-7F14-3CC5-A4AA-C52B87A8AF33}"/>
               </a:ext>
             </a:extLst>
           </p:cNvPr>
@@ -306,7 +306,7 @@
           <a:bodyPr/>
           <a:lstStyle/>
           <a:p>
-            <a:fld id="{B562362B-BCC4-4568-8CB1-16B368EC858B}" type="slidenum">
+            <a:fld id="{556668FB-1C49-47BE-A345-8FC5DDBCD3CE}" type="slidenum">
               <a:rPr lang="zh-CN" altLang="en-US" smtClean="0"/>
               <a:t>‹#›</a:t>
             </a:fld>
@@ -317,7 +317,7 @@
     </p:spTree>
     <p:extLst>
       <p:ext uri="{BB962C8B-B14F-4D97-AF65-F5344CB8AC3E}">
-        <p14:creationId xmlns:p14="http://schemas.microsoft.com/office/powerpoint/2010/main" val="216808109"/>
+        <p14:creationId xmlns:p14="http://schemas.microsoft.com/office/powerpoint/2010/main" val="1015286649"/>
       </p:ext>
     </p:extLst>
   </p:cSld>
@@ -349,7 +349,7 @@
           <p:cNvPr id="2" name="标题 1">
             <a:extLst>
               <a:ext uri="{FF2B5EF4-FFF2-40B4-BE49-F238E27FC236}">
-                <a16:creationId xmlns:a16="http://schemas.microsoft.com/office/drawing/2014/main" id="{2EC164A8-5F0F-1450-91EB-C6D6FF2B03A5}"/>
+                <a16:creationId xmlns:a16="http://schemas.microsoft.com/office/drawing/2014/main" id="{E99956D1-2984-3C37-C4F9-B3C91624A05E}"/>
               </a:ext>
             </a:extLst>
           </p:cNvPr>
@@ -377,7 +377,7 @@
           <p:cNvPr id="3" name="竖排文字占位符 2">
             <a:extLst>
               <a:ext uri="{FF2B5EF4-FFF2-40B4-BE49-F238E27FC236}">
-                <a16:creationId xmlns:a16="http://schemas.microsoft.com/office/drawing/2014/main" id="{AA086A4B-4B58-BE94-2094-4D79CCCB5F78}"/>
+                <a16:creationId xmlns:a16="http://schemas.microsoft.com/office/drawing/2014/main" id="{381D7001-F358-F32E-AF46-920FE20A2B5E}"/>
               </a:ext>
             </a:extLst>
           </p:cNvPr>
@@ -434,7 +434,7 @@
           <p:cNvPr id="4" name="日期占位符 3">
             <a:extLst>
               <a:ext uri="{FF2B5EF4-FFF2-40B4-BE49-F238E27FC236}">
-                <a16:creationId xmlns:a16="http://schemas.microsoft.com/office/drawing/2014/main" id="{9CC6EC1F-ABFD-B992-29FC-54D033F69C14}"/>
+                <a16:creationId xmlns:a16="http://schemas.microsoft.com/office/drawing/2014/main" id="{4D519F4F-4353-997F-73A9-7BA6BABC8570}"/>
               </a:ext>
             </a:extLst>
           </p:cNvPr>
@@ -450,7 +450,7 @@
           <a:bodyPr/>
           <a:lstStyle/>
           <a:p>
-            <a:fld id="{F24AEA26-3735-4509-9CBB-0D51C3C85FDC}" type="datetimeFigureOut">
+            <a:fld id="{B11D835C-9404-46E4-9510-73B77BD41D2A}" type="datetimeFigureOut">
               <a:rPr lang="zh-CN" altLang="en-US" smtClean="0"/>
               <a:t>2024/3/10</a:t>
             </a:fld>
@@ -463,7 +463,7 @@
           <p:cNvPr id="5" name="页脚占位符 4">
             <a:extLst>
               <a:ext uri="{FF2B5EF4-FFF2-40B4-BE49-F238E27FC236}">
-                <a16:creationId xmlns:a16="http://schemas.microsoft.com/office/drawing/2014/main" id="{39B98BB3-D2A3-FACC-2C08-FF1797CAE6A4}"/>
+                <a16:creationId xmlns:a16="http://schemas.microsoft.com/office/drawing/2014/main" id="{FBB7FEC5-E0DE-A7F0-8DE5-5E1BCAD373E7}"/>
               </a:ext>
             </a:extLst>
           </p:cNvPr>
@@ -488,7 +488,7 @@
           <p:cNvPr id="6" name="灯片编号占位符 5">
             <a:extLst>
               <a:ext uri="{FF2B5EF4-FFF2-40B4-BE49-F238E27FC236}">
-                <a16:creationId xmlns:a16="http://schemas.microsoft.com/office/drawing/2014/main" id="{ADAAD4B2-004F-EDE6-E1B6-45FC153EC9C4}"/>
+                <a16:creationId xmlns:a16="http://schemas.microsoft.com/office/drawing/2014/main" id="{45D9E863-B3DE-4829-558E-9E2CC4F20311}"/>
               </a:ext>
             </a:extLst>
           </p:cNvPr>
@@ -504,7 +504,7 @@
           <a:bodyPr/>
           <a:lstStyle/>
           <a:p>
-            <a:fld id="{B562362B-BCC4-4568-8CB1-16B368EC858B}" type="slidenum">
+            <a:fld id="{556668FB-1C49-47BE-A345-8FC5DDBCD3CE}" type="slidenum">
               <a:rPr lang="zh-CN" altLang="en-US" smtClean="0"/>
               <a:t>‹#›</a:t>
             </a:fld>
@@ -515,7 +515,7 @@
     </p:spTree>
     <p:extLst>
       <p:ext uri="{BB962C8B-B14F-4D97-AF65-F5344CB8AC3E}">
-        <p14:creationId xmlns:p14="http://schemas.microsoft.com/office/powerpoint/2010/main" val="1675845691"/>
+        <p14:creationId xmlns:p14="http://schemas.microsoft.com/office/powerpoint/2010/main" val="3506713013"/>
       </p:ext>
     </p:extLst>
   </p:cSld>
@@ -547,7 +547,7 @@
           <p:cNvPr id="2" name="竖排标题 1">
             <a:extLst>
               <a:ext uri="{FF2B5EF4-FFF2-40B4-BE49-F238E27FC236}">
-                <a16:creationId xmlns:a16="http://schemas.microsoft.com/office/drawing/2014/main" id="{DBA962C3-E85A-4BB7-2404-6C1FEA60E93E}"/>
+                <a16:creationId xmlns:a16="http://schemas.microsoft.com/office/drawing/2014/main" id="{8F254F94-CED0-A7FA-AAF2-7E1E55B7BDCE}"/>
               </a:ext>
             </a:extLst>
           </p:cNvPr>
@@ -580,7 +580,7 @@
           <p:cNvPr id="3" name="竖排文字占位符 2">
             <a:extLst>
               <a:ext uri="{FF2B5EF4-FFF2-40B4-BE49-F238E27FC236}">
-                <a16:creationId xmlns:a16="http://schemas.microsoft.com/office/drawing/2014/main" id="{6AAC280D-D730-4EDC-1416-29871E45F60E}"/>
+                <a16:creationId xmlns:a16="http://schemas.microsoft.com/office/drawing/2014/main" id="{8E991C52-96D5-FB89-C48E-AE6BFEC07D38}"/>
               </a:ext>
             </a:extLst>
           </p:cNvPr>
@@ -642,7 +642,7 @@
           <p:cNvPr id="4" name="日期占位符 3">
             <a:extLst>
               <a:ext uri="{FF2B5EF4-FFF2-40B4-BE49-F238E27FC236}">
-                <a16:creationId xmlns:a16="http://schemas.microsoft.com/office/drawing/2014/main" id="{4D45B07F-D412-BCAB-4F9D-B5EBEC38DCB4}"/>
+                <a16:creationId xmlns:a16="http://schemas.microsoft.com/office/drawing/2014/main" id="{763D5CD0-E428-5512-068F-9569D9568AEB}"/>
               </a:ext>
             </a:extLst>
           </p:cNvPr>
@@ -658,7 +658,7 @@
           <a:bodyPr/>
           <a:lstStyle/>
           <a:p>
-            <a:fld id="{F24AEA26-3735-4509-9CBB-0D51C3C85FDC}" type="datetimeFigureOut">
+            <a:fld id="{B11D835C-9404-46E4-9510-73B77BD41D2A}" type="datetimeFigureOut">
               <a:rPr lang="zh-CN" altLang="en-US" smtClean="0"/>
               <a:t>2024/3/10</a:t>
             </a:fld>
@@ -671,7 +671,7 @@
           <p:cNvPr id="5" name="页脚占位符 4">
             <a:extLst>
               <a:ext uri="{FF2B5EF4-FFF2-40B4-BE49-F238E27FC236}">
-                <a16:creationId xmlns:a16="http://schemas.microsoft.com/office/drawing/2014/main" id="{995D552C-419E-9E21-4178-FBA0EBF9AA5C}"/>
+                <a16:creationId xmlns:a16="http://schemas.microsoft.com/office/drawing/2014/main" id="{8DFC36F2-26F7-548C-2AF1-AA78D682DC4A}"/>
               </a:ext>
             </a:extLst>
           </p:cNvPr>
@@ -696,7 +696,7 @@
           <p:cNvPr id="6" name="灯片编号占位符 5">
             <a:extLst>
               <a:ext uri="{FF2B5EF4-FFF2-40B4-BE49-F238E27FC236}">
-                <a16:creationId xmlns:a16="http://schemas.microsoft.com/office/drawing/2014/main" id="{4E378171-4975-EB08-A4CC-1219C58E3086}"/>
+                <a16:creationId xmlns:a16="http://schemas.microsoft.com/office/drawing/2014/main" id="{186DF5D6-1F51-9797-98F0-4BCC5141DC05}"/>
               </a:ext>
             </a:extLst>
           </p:cNvPr>
@@ -712,7 +712,7 @@
           <a:bodyPr/>
           <a:lstStyle/>
           <a:p>
-            <a:fld id="{B562362B-BCC4-4568-8CB1-16B368EC858B}" type="slidenum">
+            <a:fld id="{556668FB-1C49-47BE-A345-8FC5DDBCD3CE}" type="slidenum">
               <a:rPr lang="zh-CN" altLang="en-US" smtClean="0"/>
               <a:t>‹#›</a:t>
             </a:fld>
@@ -723,7 +723,7 @@
     </p:spTree>
     <p:extLst>
       <p:ext uri="{BB962C8B-B14F-4D97-AF65-F5344CB8AC3E}">
-        <p14:creationId xmlns:p14="http://schemas.microsoft.com/office/powerpoint/2010/main" val="2997876367"/>
+        <p14:creationId xmlns:p14="http://schemas.microsoft.com/office/powerpoint/2010/main" val="3172542416"/>
       </p:ext>
     </p:extLst>
   </p:cSld>
@@ -755,7 +755,7 @@
           <p:cNvPr id="2" name="标题 1">
             <a:extLst>
               <a:ext uri="{FF2B5EF4-FFF2-40B4-BE49-F238E27FC236}">
-                <a16:creationId xmlns:a16="http://schemas.microsoft.com/office/drawing/2014/main" id="{1CC34103-E306-2DE6-9DA1-CD13CA4305A5}"/>
+                <a16:creationId xmlns:a16="http://schemas.microsoft.com/office/drawing/2014/main" id="{F1C21DC3-D25D-302B-DE89-5A9F34C07640}"/>
               </a:ext>
             </a:extLst>
           </p:cNvPr>
@@ -783,7 +783,7 @@
           <p:cNvPr id="3" name="内容占位符 2">
             <a:extLst>
               <a:ext uri="{FF2B5EF4-FFF2-40B4-BE49-F238E27FC236}">
-                <a16:creationId xmlns:a16="http://schemas.microsoft.com/office/drawing/2014/main" id="{62114517-24BE-485E-F16C-015075A51B76}"/>
+                <a16:creationId xmlns:a16="http://schemas.microsoft.com/office/drawing/2014/main" id="{383F2D07-2F14-5F43-C983-FE3A9DABB9F5}"/>
               </a:ext>
             </a:extLst>
           </p:cNvPr>
@@ -840,7 +840,7 @@
           <p:cNvPr id="4" name="日期占位符 3">
             <a:extLst>
               <a:ext uri="{FF2B5EF4-FFF2-40B4-BE49-F238E27FC236}">
-                <a16:creationId xmlns:a16="http://schemas.microsoft.com/office/drawing/2014/main" id="{9A7036D2-DB53-BC32-3173-CDF0775B1E67}"/>
+                <a16:creationId xmlns:a16="http://schemas.microsoft.com/office/drawing/2014/main" id="{AB630ABE-4139-43D5-6839-1CF2673C55AB}"/>
               </a:ext>
             </a:extLst>
           </p:cNvPr>
@@ -856,7 +856,7 @@
           <a:bodyPr/>
           <a:lstStyle/>
           <a:p>
-            <a:fld id="{F24AEA26-3735-4509-9CBB-0D51C3C85FDC}" type="datetimeFigureOut">
+            <a:fld id="{B11D835C-9404-46E4-9510-73B77BD41D2A}" type="datetimeFigureOut">
               <a:rPr lang="zh-CN" altLang="en-US" smtClean="0"/>
               <a:t>2024/3/10</a:t>
             </a:fld>
@@ -869,7 +869,7 @@
           <p:cNvPr id="5" name="页脚占位符 4">
             <a:extLst>
               <a:ext uri="{FF2B5EF4-FFF2-40B4-BE49-F238E27FC236}">
-                <a16:creationId xmlns:a16="http://schemas.microsoft.com/office/drawing/2014/main" id="{1882C5D4-7E31-4D7D-4B98-59F2BA256606}"/>
+                <a16:creationId xmlns:a16="http://schemas.microsoft.com/office/drawing/2014/main" id="{E33113AC-1347-894B-24AE-0F72F8AB0AD6}"/>
               </a:ext>
             </a:extLst>
           </p:cNvPr>
@@ -894,7 +894,7 @@
           <p:cNvPr id="6" name="灯片编号占位符 5">
             <a:extLst>
               <a:ext uri="{FF2B5EF4-FFF2-40B4-BE49-F238E27FC236}">
-                <a16:creationId xmlns:a16="http://schemas.microsoft.com/office/drawing/2014/main" id="{CDFD5D57-9777-05D5-937B-176DD0ECCF34}"/>
+                <a16:creationId xmlns:a16="http://schemas.microsoft.com/office/drawing/2014/main" id="{3FFC2603-6980-8ED4-1F21-99965D30F34C}"/>
               </a:ext>
             </a:extLst>
           </p:cNvPr>
@@ -910,7 +910,7 @@
           <a:bodyPr/>
           <a:lstStyle/>
           <a:p>
-            <a:fld id="{B562362B-BCC4-4568-8CB1-16B368EC858B}" type="slidenum">
+            <a:fld id="{556668FB-1C49-47BE-A345-8FC5DDBCD3CE}" type="slidenum">
               <a:rPr lang="zh-CN" altLang="en-US" smtClean="0"/>
               <a:t>‹#›</a:t>
             </a:fld>
@@ -921,7 +921,7 @@
     </p:spTree>
     <p:extLst>
       <p:ext uri="{BB962C8B-B14F-4D97-AF65-F5344CB8AC3E}">
-        <p14:creationId xmlns:p14="http://schemas.microsoft.com/office/powerpoint/2010/main" val="3167919416"/>
+        <p14:creationId xmlns:p14="http://schemas.microsoft.com/office/powerpoint/2010/main" val="1385084983"/>
       </p:ext>
     </p:extLst>
   </p:cSld>
@@ -953,7 +953,7 @@
           <p:cNvPr id="2" name="标题 1">
             <a:extLst>
               <a:ext uri="{FF2B5EF4-FFF2-40B4-BE49-F238E27FC236}">
-                <a16:creationId xmlns:a16="http://schemas.microsoft.com/office/drawing/2014/main" id="{FF00058E-FB7B-B025-BFCA-A22580321F79}"/>
+                <a16:creationId xmlns:a16="http://schemas.microsoft.com/office/drawing/2014/main" id="{4BAD52CD-F755-D8AA-4F93-0195A24C554C}"/>
               </a:ext>
             </a:extLst>
           </p:cNvPr>
@@ -990,7 +990,7 @@
           <p:cNvPr id="3" name="文本占位符 2">
             <a:extLst>
               <a:ext uri="{FF2B5EF4-FFF2-40B4-BE49-F238E27FC236}">
-                <a16:creationId xmlns:a16="http://schemas.microsoft.com/office/drawing/2014/main" id="{0DB06F47-A099-C467-2746-3C793C6A6627}"/>
+                <a16:creationId xmlns:a16="http://schemas.microsoft.com/office/drawing/2014/main" id="{AD12E1AC-BB06-E346-CF19-787E7AE291CE}"/>
               </a:ext>
             </a:extLst>
           </p:cNvPr>
@@ -1115,7 +1115,7 @@
           <p:cNvPr id="4" name="日期占位符 3">
             <a:extLst>
               <a:ext uri="{FF2B5EF4-FFF2-40B4-BE49-F238E27FC236}">
-                <a16:creationId xmlns:a16="http://schemas.microsoft.com/office/drawing/2014/main" id="{39F12317-AE7D-CE8D-3398-99F95AB48CAE}"/>
+                <a16:creationId xmlns:a16="http://schemas.microsoft.com/office/drawing/2014/main" id="{954DCAC8-2942-E50A-EB61-DCACF39247FA}"/>
               </a:ext>
             </a:extLst>
           </p:cNvPr>
@@ -1131,7 +1131,7 @@
           <a:bodyPr/>
           <a:lstStyle/>
           <a:p>
-            <a:fld id="{F24AEA26-3735-4509-9CBB-0D51C3C85FDC}" type="datetimeFigureOut">
+            <a:fld id="{B11D835C-9404-46E4-9510-73B77BD41D2A}" type="datetimeFigureOut">
               <a:rPr lang="zh-CN" altLang="en-US" smtClean="0"/>
               <a:t>2024/3/10</a:t>
             </a:fld>
@@ -1144,7 +1144,7 @@
           <p:cNvPr id="5" name="页脚占位符 4">
             <a:extLst>
               <a:ext uri="{FF2B5EF4-FFF2-40B4-BE49-F238E27FC236}">
-                <a16:creationId xmlns:a16="http://schemas.microsoft.com/office/drawing/2014/main" id="{6A71B013-8FE9-8349-382D-0E3979B8654A}"/>
+                <a16:creationId xmlns:a16="http://schemas.microsoft.com/office/drawing/2014/main" id="{C6245A92-CD00-30B8-4656-05BE692316C2}"/>
               </a:ext>
             </a:extLst>
           </p:cNvPr>
@@ -1169,7 +1169,7 @@
           <p:cNvPr id="6" name="灯片编号占位符 5">
             <a:extLst>
               <a:ext uri="{FF2B5EF4-FFF2-40B4-BE49-F238E27FC236}">
-                <a16:creationId xmlns:a16="http://schemas.microsoft.com/office/drawing/2014/main" id="{A87C7FC1-52F8-AFF9-9E06-3E8FC7D62E8E}"/>
+                <a16:creationId xmlns:a16="http://schemas.microsoft.com/office/drawing/2014/main" id="{235CF80D-0837-E093-E046-C058B2A594C3}"/>
               </a:ext>
             </a:extLst>
           </p:cNvPr>
@@ -1185,7 +1185,7 @@
           <a:bodyPr/>
           <a:lstStyle/>
           <a:p>
-            <a:fld id="{B562362B-BCC4-4568-8CB1-16B368EC858B}" type="slidenum">
+            <a:fld id="{556668FB-1C49-47BE-A345-8FC5DDBCD3CE}" type="slidenum">
               <a:rPr lang="zh-CN" altLang="en-US" smtClean="0"/>
               <a:t>‹#›</a:t>
             </a:fld>
@@ -1196,7 +1196,7 @@
     </p:spTree>
     <p:extLst>
       <p:ext uri="{BB962C8B-B14F-4D97-AF65-F5344CB8AC3E}">
-        <p14:creationId xmlns:p14="http://schemas.microsoft.com/office/powerpoint/2010/main" val="1792122718"/>
+        <p14:creationId xmlns:p14="http://schemas.microsoft.com/office/powerpoint/2010/main" val="370940801"/>
       </p:ext>
     </p:extLst>
   </p:cSld>
@@ -1228,7 +1228,7 @@
           <p:cNvPr id="2" name="标题 1">
             <a:extLst>
               <a:ext uri="{FF2B5EF4-FFF2-40B4-BE49-F238E27FC236}">
-                <a16:creationId xmlns:a16="http://schemas.microsoft.com/office/drawing/2014/main" id="{1D833161-DCB3-FEC5-D5C0-806F1CBC9084}"/>
+                <a16:creationId xmlns:a16="http://schemas.microsoft.com/office/drawing/2014/main" id="{2D28EBFD-9F02-DF26-D1A3-CC33F4CED976}"/>
               </a:ext>
             </a:extLst>
           </p:cNvPr>
@@ -1256,7 +1256,7 @@
           <p:cNvPr id="3" name="内容占位符 2">
             <a:extLst>
               <a:ext uri="{FF2B5EF4-FFF2-40B4-BE49-F238E27FC236}">
-                <a16:creationId xmlns:a16="http://schemas.microsoft.com/office/drawing/2014/main" id="{93B96051-2E62-B679-728F-BDB4A07E52E6}"/>
+                <a16:creationId xmlns:a16="http://schemas.microsoft.com/office/drawing/2014/main" id="{025EF1CB-6B47-3A7D-DE03-82A046E60115}"/>
               </a:ext>
             </a:extLst>
           </p:cNvPr>
@@ -1318,7 +1318,7 @@
           <p:cNvPr id="4" name="内容占位符 3">
             <a:extLst>
               <a:ext uri="{FF2B5EF4-FFF2-40B4-BE49-F238E27FC236}">
-                <a16:creationId xmlns:a16="http://schemas.microsoft.com/office/drawing/2014/main" id="{AD30B189-068D-7CC8-D9AC-DDA100F53A92}"/>
+                <a16:creationId xmlns:a16="http://schemas.microsoft.com/office/drawing/2014/main" id="{8D6F78D4-B5DA-41EE-CDED-F8B1BC2F7DC3}"/>
               </a:ext>
             </a:extLst>
           </p:cNvPr>
@@ -1380,7 +1380,7 @@
           <p:cNvPr id="5" name="日期占位符 4">
             <a:extLst>
               <a:ext uri="{FF2B5EF4-FFF2-40B4-BE49-F238E27FC236}">
-                <a16:creationId xmlns:a16="http://schemas.microsoft.com/office/drawing/2014/main" id="{DA4A7047-624B-9E02-878B-B649CF90F563}"/>
+                <a16:creationId xmlns:a16="http://schemas.microsoft.com/office/drawing/2014/main" id="{CD2DDBF1-B2E2-40D5-472A-B6D0448AB623}"/>
               </a:ext>
             </a:extLst>
           </p:cNvPr>
@@ -1396,7 +1396,7 @@
           <a:bodyPr/>
           <a:lstStyle/>
           <a:p>
-            <a:fld id="{F24AEA26-3735-4509-9CBB-0D51C3C85FDC}" type="datetimeFigureOut">
+            <a:fld id="{B11D835C-9404-46E4-9510-73B77BD41D2A}" type="datetimeFigureOut">
               <a:rPr lang="zh-CN" altLang="en-US" smtClean="0"/>
               <a:t>2024/3/10</a:t>
             </a:fld>
@@ -1409,7 +1409,7 @@
           <p:cNvPr id="6" name="页脚占位符 5">
             <a:extLst>
               <a:ext uri="{FF2B5EF4-FFF2-40B4-BE49-F238E27FC236}">
-                <a16:creationId xmlns:a16="http://schemas.microsoft.com/office/drawing/2014/main" id="{7A19020A-8559-3000-A5A3-B9439B728621}"/>
+                <a16:creationId xmlns:a16="http://schemas.microsoft.com/office/drawing/2014/main" id="{A217481B-3C96-6A69-66D5-271FCE5C934E}"/>
               </a:ext>
             </a:extLst>
           </p:cNvPr>
@@ -1434,7 +1434,7 @@
           <p:cNvPr id="7" name="灯片编号占位符 6">
             <a:extLst>
               <a:ext uri="{FF2B5EF4-FFF2-40B4-BE49-F238E27FC236}">
-                <a16:creationId xmlns:a16="http://schemas.microsoft.com/office/drawing/2014/main" id="{BBB769D9-753F-A237-9EBC-6A1C48E85315}"/>
+                <a16:creationId xmlns:a16="http://schemas.microsoft.com/office/drawing/2014/main" id="{21F62E1B-C722-C01C-5288-4C4AFA75030D}"/>
               </a:ext>
             </a:extLst>
           </p:cNvPr>
@@ -1450,7 +1450,7 @@
           <a:bodyPr/>
           <a:lstStyle/>
           <a:p>
-            <a:fld id="{B562362B-BCC4-4568-8CB1-16B368EC858B}" type="slidenum">
+            <a:fld id="{556668FB-1C49-47BE-A345-8FC5DDBCD3CE}" type="slidenum">
               <a:rPr lang="zh-CN" altLang="en-US" smtClean="0"/>
               <a:t>‹#›</a:t>
             </a:fld>
@@ -1461,7 +1461,7 @@
     </p:spTree>
     <p:extLst>
       <p:ext uri="{BB962C8B-B14F-4D97-AF65-F5344CB8AC3E}">
-        <p14:creationId xmlns:p14="http://schemas.microsoft.com/office/powerpoint/2010/main" val="4164024408"/>
+        <p14:creationId xmlns:p14="http://schemas.microsoft.com/office/powerpoint/2010/main" val="3412079297"/>
       </p:ext>
     </p:extLst>
   </p:cSld>
@@ -1493,7 +1493,7 @@
           <p:cNvPr id="2" name="标题 1">
             <a:extLst>
               <a:ext uri="{FF2B5EF4-FFF2-40B4-BE49-F238E27FC236}">
-                <a16:creationId xmlns:a16="http://schemas.microsoft.com/office/drawing/2014/main" id="{C462C1D0-0AA4-0AF3-92D6-96DA7832027A}"/>
+                <a16:creationId xmlns:a16="http://schemas.microsoft.com/office/drawing/2014/main" id="{160AA36D-2A22-6563-5D58-0DE72B1E6245}"/>
               </a:ext>
             </a:extLst>
           </p:cNvPr>
@@ -1526,7 +1526,7 @@
           <p:cNvPr id="3" name="文本占位符 2">
             <a:extLst>
               <a:ext uri="{FF2B5EF4-FFF2-40B4-BE49-F238E27FC236}">
-                <a16:creationId xmlns:a16="http://schemas.microsoft.com/office/drawing/2014/main" id="{916AA145-BE30-0B7F-90F2-E87A3AEB93BA}"/>
+                <a16:creationId xmlns:a16="http://schemas.microsoft.com/office/drawing/2014/main" id="{D0B5CBEA-C01B-AF3D-28C5-757ECD4C5609}"/>
               </a:ext>
             </a:extLst>
           </p:cNvPr>
@@ -1597,7 +1597,7 @@
           <p:cNvPr id="4" name="内容占位符 3">
             <a:extLst>
               <a:ext uri="{FF2B5EF4-FFF2-40B4-BE49-F238E27FC236}">
-                <a16:creationId xmlns:a16="http://schemas.microsoft.com/office/drawing/2014/main" id="{1EAFF8B9-1898-1987-4877-19529E7B2DB3}"/>
+                <a16:creationId xmlns:a16="http://schemas.microsoft.com/office/drawing/2014/main" id="{80CAF7B2-5031-3C42-D301-C83663E015EB}"/>
               </a:ext>
             </a:extLst>
           </p:cNvPr>
@@ -1659,7 +1659,7 @@
           <p:cNvPr id="5" name="文本占位符 4">
             <a:extLst>
               <a:ext uri="{FF2B5EF4-FFF2-40B4-BE49-F238E27FC236}">
-                <a16:creationId xmlns:a16="http://schemas.microsoft.com/office/drawing/2014/main" id="{71D0D313-A343-AC35-6EFF-C7A3C21F84E0}"/>
+                <a16:creationId xmlns:a16="http://schemas.microsoft.com/office/drawing/2014/main" id="{13900680-BA11-275C-82D7-35FFE5340EBD}"/>
               </a:ext>
             </a:extLst>
           </p:cNvPr>
@@ -1730,7 +1730,7 @@
           <p:cNvPr id="6" name="内容占位符 5">
             <a:extLst>
               <a:ext uri="{FF2B5EF4-FFF2-40B4-BE49-F238E27FC236}">
-                <a16:creationId xmlns:a16="http://schemas.microsoft.com/office/drawing/2014/main" id="{439E4D01-8EBC-6FD4-7503-B7CD741CA6D6}"/>
+                <a16:creationId xmlns:a16="http://schemas.microsoft.com/office/drawing/2014/main" id="{7BF27459-2AB1-AB3C-4025-85C8D819D90A}"/>
               </a:ext>
             </a:extLst>
           </p:cNvPr>
@@ -1792,7 +1792,7 @@
           <p:cNvPr id="7" name="日期占位符 6">
             <a:extLst>
               <a:ext uri="{FF2B5EF4-FFF2-40B4-BE49-F238E27FC236}">
-                <a16:creationId xmlns:a16="http://schemas.microsoft.com/office/drawing/2014/main" id="{FF2D7BF4-EB71-682D-D1EF-60394991BE22}"/>
+                <a16:creationId xmlns:a16="http://schemas.microsoft.com/office/drawing/2014/main" id="{4E451034-C092-D377-A12F-BF2AB3E73F62}"/>
               </a:ext>
             </a:extLst>
           </p:cNvPr>
@@ -1808,7 +1808,7 @@
           <a:bodyPr/>
           <a:lstStyle/>
           <a:p>
-            <a:fld id="{F24AEA26-3735-4509-9CBB-0D51C3C85FDC}" type="datetimeFigureOut">
+            <a:fld id="{B11D835C-9404-46E4-9510-73B77BD41D2A}" type="datetimeFigureOut">
               <a:rPr lang="zh-CN" altLang="en-US" smtClean="0"/>
               <a:t>2024/3/10</a:t>
             </a:fld>
@@ -1821,7 +1821,7 @@
           <p:cNvPr id="8" name="页脚占位符 7">
             <a:extLst>
               <a:ext uri="{FF2B5EF4-FFF2-40B4-BE49-F238E27FC236}">
-                <a16:creationId xmlns:a16="http://schemas.microsoft.com/office/drawing/2014/main" id="{AC2A117F-1600-C21E-A536-BACA2892F062}"/>
+                <a16:creationId xmlns:a16="http://schemas.microsoft.com/office/drawing/2014/main" id="{5A7859F4-44F1-8125-0DA0-DF6D36DC8E2A}"/>
               </a:ext>
             </a:extLst>
           </p:cNvPr>
@@ -1846,7 +1846,7 @@
           <p:cNvPr id="9" name="灯片编号占位符 8">
             <a:extLst>
               <a:ext uri="{FF2B5EF4-FFF2-40B4-BE49-F238E27FC236}">
-                <a16:creationId xmlns:a16="http://schemas.microsoft.com/office/drawing/2014/main" id="{AFA9769F-8B5D-37A4-151A-5F8CB8AF81EA}"/>
+                <a16:creationId xmlns:a16="http://schemas.microsoft.com/office/drawing/2014/main" id="{C6695A4A-E2CE-1908-A0A1-C728ED853B17}"/>
               </a:ext>
             </a:extLst>
           </p:cNvPr>
@@ -1862,7 +1862,7 @@
           <a:bodyPr/>
           <a:lstStyle/>
           <a:p>
-            <a:fld id="{B562362B-BCC4-4568-8CB1-16B368EC858B}" type="slidenum">
+            <a:fld id="{556668FB-1C49-47BE-A345-8FC5DDBCD3CE}" type="slidenum">
               <a:rPr lang="zh-CN" altLang="en-US" smtClean="0"/>
               <a:t>‹#›</a:t>
             </a:fld>
@@ -1873,7 +1873,7 @@
     </p:spTree>
     <p:extLst>
       <p:ext uri="{BB962C8B-B14F-4D97-AF65-F5344CB8AC3E}">
-        <p14:creationId xmlns:p14="http://schemas.microsoft.com/office/powerpoint/2010/main" val="1944366346"/>
+        <p14:creationId xmlns:p14="http://schemas.microsoft.com/office/powerpoint/2010/main" val="4172067038"/>
       </p:ext>
     </p:extLst>
   </p:cSld>
@@ -1905,7 +1905,7 @@
           <p:cNvPr id="2" name="标题 1">
             <a:extLst>
               <a:ext uri="{FF2B5EF4-FFF2-40B4-BE49-F238E27FC236}">
-                <a16:creationId xmlns:a16="http://schemas.microsoft.com/office/drawing/2014/main" id="{3F0482D2-D0CB-0198-2DD1-939C977388FB}"/>
+                <a16:creationId xmlns:a16="http://schemas.microsoft.com/office/drawing/2014/main" id="{F9143CE4-7036-CD60-C07B-67A52ACE9FF3}"/>
               </a:ext>
             </a:extLst>
           </p:cNvPr>
@@ -1933,7 +1933,7 @@
           <p:cNvPr id="3" name="日期占位符 2">
             <a:extLst>
               <a:ext uri="{FF2B5EF4-FFF2-40B4-BE49-F238E27FC236}">
-                <a16:creationId xmlns:a16="http://schemas.microsoft.com/office/drawing/2014/main" id="{2CB9C33B-B22E-367C-F113-1160DEFFDDF4}"/>
+                <a16:creationId xmlns:a16="http://schemas.microsoft.com/office/drawing/2014/main" id="{D780F1E3-F9A0-8E54-3770-653B54305959}"/>
               </a:ext>
             </a:extLst>
           </p:cNvPr>
@@ -1949,7 +1949,7 @@
           <a:bodyPr/>
           <a:lstStyle/>
           <a:p>
-            <a:fld id="{F24AEA26-3735-4509-9CBB-0D51C3C85FDC}" type="datetimeFigureOut">
+            <a:fld id="{B11D835C-9404-46E4-9510-73B77BD41D2A}" type="datetimeFigureOut">
               <a:rPr lang="zh-CN" altLang="en-US" smtClean="0"/>
               <a:t>2024/3/10</a:t>
             </a:fld>
@@ -1962,7 +1962,7 @@
           <p:cNvPr id="4" name="页脚占位符 3">
             <a:extLst>
               <a:ext uri="{FF2B5EF4-FFF2-40B4-BE49-F238E27FC236}">
-                <a16:creationId xmlns:a16="http://schemas.microsoft.com/office/drawing/2014/main" id="{A5CCB2BB-C0B0-DC80-3BC2-F1F1D61C51D1}"/>
+                <a16:creationId xmlns:a16="http://schemas.microsoft.com/office/drawing/2014/main" id="{086D53A5-86F8-9483-B674-47EDC336D52C}"/>
               </a:ext>
             </a:extLst>
           </p:cNvPr>
@@ -1987,7 +1987,7 @@
           <p:cNvPr id="5" name="灯片编号占位符 4">
             <a:extLst>
               <a:ext uri="{FF2B5EF4-FFF2-40B4-BE49-F238E27FC236}">
-                <a16:creationId xmlns:a16="http://schemas.microsoft.com/office/drawing/2014/main" id="{82BBDACA-FC46-2284-0E34-411B8FD2CBD7}"/>
+                <a16:creationId xmlns:a16="http://schemas.microsoft.com/office/drawing/2014/main" id="{EA0E7A3E-F1BC-DB60-2FDA-B6968BA9C5C0}"/>
               </a:ext>
             </a:extLst>
           </p:cNvPr>
@@ -2003,7 +2003,7 @@
           <a:bodyPr/>
           <a:lstStyle/>
           <a:p>
-            <a:fld id="{B562362B-BCC4-4568-8CB1-16B368EC858B}" type="slidenum">
+            <a:fld id="{556668FB-1C49-47BE-A345-8FC5DDBCD3CE}" type="slidenum">
               <a:rPr lang="zh-CN" altLang="en-US" smtClean="0"/>
               <a:t>‹#›</a:t>
             </a:fld>
@@ -2014,7 +2014,7 @@
     </p:spTree>
     <p:extLst>
       <p:ext uri="{BB962C8B-B14F-4D97-AF65-F5344CB8AC3E}">
-        <p14:creationId xmlns:p14="http://schemas.microsoft.com/office/powerpoint/2010/main" val="2352155500"/>
+        <p14:creationId xmlns:p14="http://schemas.microsoft.com/office/powerpoint/2010/main" val="3036870181"/>
       </p:ext>
     </p:extLst>
   </p:cSld>
@@ -2046,7 +2046,7 @@
           <p:cNvPr id="2" name="日期占位符 1">
             <a:extLst>
               <a:ext uri="{FF2B5EF4-FFF2-40B4-BE49-F238E27FC236}">
-                <a16:creationId xmlns:a16="http://schemas.microsoft.com/office/drawing/2014/main" id="{600CC6A6-DDF6-D7E7-3094-6E22E5C92DDF}"/>
+                <a16:creationId xmlns:a16="http://schemas.microsoft.com/office/drawing/2014/main" id="{B8002C4B-F079-CABC-57AE-E226078544F3}"/>
               </a:ext>
             </a:extLst>
           </p:cNvPr>
@@ -2062,7 +2062,7 @@
           <a:bodyPr/>
           <a:lstStyle/>
           <a:p>
-            <a:fld id="{F24AEA26-3735-4509-9CBB-0D51C3C85FDC}" type="datetimeFigureOut">
+            <a:fld id="{B11D835C-9404-46E4-9510-73B77BD41D2A}" type="datetimeFigureOut">
               <a:rPr lang="zh-CN" altLang="en-US" smtClean="0"/>
               <a:t>2024/3/10</a:t>
             </a:fld>
@@ -2075,7 +2075,7 @@
           <p:cNvPr id="3" name="页脚占位符 2">
             <a:extLst>
               <a:ext uri="{FF2B5EF4-FFF2-40B4-BE49-F238E27FC236}">
-                <a16:creationId xmlns:a16="http://schemas.microsoft.com/office/drawing/2014/main" id="{4265D77A-FE4E-5FE7-8C32-345FD7AE908A}"/>
+                <a16:creationId xmlns:a16="http://schemas.microsoft.com/office/drawing/2014/main" id="{D403D969-65E2-39FC-9D0D-5C4C543B4FC0}"/>
               </a:ext>
             </a:extLst>
           </p:cNvPr>
@@ -2100,7 +2100,7 @@
           <p:cNvPr id="4" name="灯片编号占位符 3">
             <a:extLst>
               <a:ext uri="{FF2B5EF4-FFF2-40B4-BE49-F238E27FC236}">
-                <a16:creationId xmlns:a16="http://schemas.microsoft.com/office/drawing/2014/main" id="{199E3E02-315F-A86F-3FB1-A9BA9C94AF4A}"/>
+                <a16:creationId xmlns:a16="http://schemas.microsoft.com/office/drawing/2014/main" id="{7AFADB54-9E37-5A06-2DD8-04850472052A}"/>
               </a:ext>
             </a:extLst>
           </p:cNvPr>
@@ -2116,7 +2116,7 @@
           <a:bodyPr/>
           <a:lstStyle/>
           <a:p>
-            <a:fld id="{B562362B-BCC4-4568-8CB1-16B368EC858B}" type="slidenum">
+            <a:fld id="{556668FB-1C49-47BE-A345-8FC5DDBCD3CE}" type="slidenum">
               <a:rPr lang="zh-CN" altLang="en-US" smtClean="0"/>
               <a:t>‹#›</a:t>
             </a:fld>
@@ -2127,7 +2127,7 @@
     </p:spTree>
     <p:extLst>
       <p:ext uri="{BB962C8B-B14F-4D97-AF65-F5344CB8AC3E}">
-        <p14:creationId xmlns:p14="http://schemas.microsoft.com/office/powerpoint/2010/main" val="1622655605"/>
+        <p14:creationId xmlns:p14="http://schemas.microsoft.com/office/powerpoint/2010/main" val="3710909835"/>
       </p:ext>
     </p:extLst>
   </p:cSld>
@@ -2159,7 +2159,7 @@
           <p:cNvPr id="2" name="标题 1">
             <a:extLst>
               <a:ext uri="{FF2B5EF4-FFF2-40B4-BE49-F238E27FC236}">
-                <a16:creationId xmlns:a16="http://schemas.microsoft.com/office/drawing/2014/main" id="{4DB16FB4-3701-A69D-A14C-F6EA62AEFC0F}"/>
+                <a16:creationId xmlns:a16="http://schemas.microsoft.com/office/drawing/2014/main" id="{581A3257-A59E-B679-71E3-09DCFE671FBC}"/>
               </a:ext>
             </a:extLst>
           </p:cNvPr>
@@ -2196,7 +2196,7 @@
           <p:cNvPr id="3" name="内容占位符 2">
             <a:extLst>
               <a:ext uri="{FF2B5EF4-FFF2-40B4-BE49-F238E27FC236}">
-                <a16:creationId xmlns:a16="http://schemas.microsoft.com/office/drawing/2014/main" id="{023DADC0-EEB7-4A77-F8E0-AEA70B308C79}"/>
+                <a16:creationId xmlns:a16="http://schemas.microsoft.com/office/drawing/2014/main" id="{87CF304A-11AB-AF03-918C-F87FAD8D9A16}"/>
               </a:ext>
             </a:extLst>
           </p:cNvPr>
@@ -2286,7 +2286,7 @@
           <p:cNvPr id="4" name="文本占位符 3">
             <a:extLst>
               <a:ext uri="{FF2B5EF4-FFF2-40B4-BE49-F238E27FC236}">
-                <a16:creationId xmlns:a16="http://schemas.microsoft.com/office/drawing/2014/main" id="{A0C59961-E1F8-BA6E-7C1C-8C62538DD0E5}"/>
+                <a16:creationId xmlns:a16="http://schemas.microsoft.com/office/drawing/2014/main" id="{5CFD45F9-49F4-6C45-F2AE-BDEDB571D80B}"/>
               </a:ext>
             </a:extLst>
           </p:cNvPr>
@@ -2357,7 +2357,7 @@
           <p:cNvPr id="5" name="日期占位符 4">
             <a:extLst>
               <a:ext uri="{FF2B5EF4-FFF2-40B4-BE49-F238E27FC236}">
-                <a16:creationId xmlns:a16="http://schemas.microsoft.com/office/drawing/2014/main" id="{A080B357-48C4-FE5B-EAD8-ABD295DBB1A1}"/>
+                <a16:creationId xmlns:a16="http://schemas.microsoft.com/office/drawing/2014/main" id="{2A9106F1-5B79-4E1F-232A-EEF88FF7F435}"/>
               </a:ext>
             </a:extLst>
           </p:cNvPr>
@@ -2373,7 +2373,7 @@
           <a:bodyPr/>
           <a:lstStyle/>
           <a:p>
-            <a:fld id="{F24AEA26-3735-4509-9CBB-0D51C3C85FDC}" type="datetimeFigureOut">
+            <a:fld id="{B11D835C-9404-46E4-9510-73B77BD41D2A}" type="datetimeFigureOut">
               <a:rPr lang="zh-CN" altLang="en-US" smtClean="0"/>
               <a:t>2024/3/10</a:t>
             </a:fld>
@@ -2386,7 +2386,7 @@
           <p:cNvPr id="6" name="页脚占位符 5">
             <a:extLst>
               <a:ext uri="{FF2B5EF4-FFF2-40B4-BE49-F238E27FC236}">
-                <a16:creationId xmlns:a16="http://schemas.microsoft.com/office/drawing/2014/main" id="{AEE99628-BA2B-45C8-4A92-FED74FA85978}"/>
+                <a16:creationId xmlns:a16="http://schemas.microsoft.com/office/drawing/2014/main" id="{C0D7878B-0DCC-0ADD-0D64-466E99D4444D}"/>
               </a:ext>
             </a:extLst>
           </p:cNvPr>
@@ -2411,7 +2411,7 @@
           <p:cNvPr id="7" name="灯片编号占位符 6">
             <a:extLst>
               <a:ext uri="{FF2B5EF4-FFF2-40B4-BE49-F238E27FC236}">
-                <a16:creationId xmlns:a16="http://schemas.microsoft.com/office/drawing/2014/main" id="{97956E99-6987-E5E0-83F0-89626EAB7BDE}"/>
+                <a16:creationId xmlns:a16="http://schemas.microsoft.com/office/drawing/2014/main" id="{F210F7AA-C291-6302-6837-D7A5D1E1E823}"/>
               </a:ext>
             </a:extLst>
           </p:cNvPr>
@@ -2427,7 +2427,7 @@
           <a:bodyPr/>
           <a:lstStyle/>
           <a:p>
-            <a:fld id="{B562362B-BCC4-4568-8CB1-16B368EC858B}" type="slidenum">
+            <a:fld id="{556668FB-1C49-47BE-A345-8FC5DDBCD3CE}" type="slidenum">
               <a:rPr lang="zh-CN" altLang="en-US" smtClean="0"/>
               <a:t>‹#›</a:t>
             </a:fld>
@@ -2438,7 +2438,7 @@
     </p:spTree>
     <p:extLst>
       <p:ext uri="{BB962C8B-B14F-4D97-AF65-F5344CB8AC3E}">
-        <p14:creationId xmlns:p14="http://schemas.microsoft.com/office/powerpoint/2010/main" val="3371316539"/>
+        <p14:creationId xmlns:p14="http://schemas.microsoft.com/office/powerpoint/2010/main" val="3262828452"/>
       </p:ext>
     </p:extLst>
   </p:cSld>
@@ -2470,7 +2470,7 @@
           <p:cNvPr id="2" name="标题 1">
             <a:extLst>
               <a:ext uri="{FF2B5EF4-FFF2-40B4-BE49-F238E27FC236}">
-                <a16:creationId xmlns:a16="http://schemas.microsoft.com/office/drawing/2014/main" id="{9F75D81E-731D-2E63-A7C9-A9B356A41688}"/>
+                <a16:creationId xmlns:a16="http://schemas.microsoft.com/office/drawing/2014/main" id="{D94E1188-C7C4-CC30-AEFB-F3F0C3F7CE0B}"/>
               </a:ext>
             </a:extLst>
           </p:cNvPr>
@@ -2507,7 +2507,7 @@
           <p:cNvPr id="3" name="图片占位符 2">
             <a:extLst>
               <a:ext uri="{FF2B5EF4-FFF2-40B4-BE49-F238E27FC236}">
-                <a16:creationId xmlns:a16="http://schemas.microsoft.com/office/drawing/2014/main" id="{E8990120-3349-0BF6-155C-DB6B5C8EB386}"/>
+                <a16:creationId xmlns:a16="http://schemas.microsoft.com/office/drawing/2014/main" id="{74E54E2E-1688-C5CA-D7A2-5E4848905282}"/>
               </a:ext>
             </a:extLst>
           </p:cNvPr>
@@ -2574,7 +2574,7 @@
           <p:cNvPr id="4" name="文本占位符 3">
             <a:extLst>
               <a:ext uri="{FF2B5EF4-FFF2-40B4-BE49-F238E27FC236}">
-                <a16:creationId xmlns:a16="http://schemas.microsoft.com/office/drawing/2014/main" id="{D7D63647-6AE0-9A1B-AF42-A31B26156B1F}"/>
+                <a16:creationId xmlns:a16="http://schemas.microsoft.com/office/drawing/2014/main" id="{1D95C2D0-44F0-885A-F553-DC929327DD5C}"/>
               </a:ext>
             </a:extLst>
           </p:cNvPr>
@@ -2645,7 +2645,7 @@
           <p:cNvPr id="5" name="日期占位符 4">
             <a:extLst>
               <a:ext uri="{FF2B5EF4-FFF2-40B4-BE49-F238E27FC236}">
-                <a16:creationId xmlns:a16="http://schemas.microsoft.com/office/drawing/2014/main" id="{C05A49C8-3751-89FF-5C60-5D7ACA4DE81E}"/>
+                <a16:creationId xmlns:a16="http://schemas.microsoft.com/office/drawing/2014/main" id="{3C41AE8D-97F5-D6B7-5723-83EA92281690}"/>
               </a:ext>
             </a:extLst>
           </p:cNvPr>
@@ -2661,7 +2661,7 @@
           <a:bodyPr/>
           <a:lstStyle/>
           <a:p>
-            <a:fld id="{F24AEA26-3735-4509-9CBB-0D51C3C85FDC}" type="datetimeFigureOut">
+            <a:fld id="{B11D835C-9404-46E4-9510-73B77BD41D2A}" type="datetimeFigureOut">
               <a:rPr lang="zh-CN" altLang="en-US" smtClean="0"/>
               <a:t>2024/3/10</a:t>
             </a:fld>
@@ -2674,7 +2674,7 @@
           <p:cNvPr id="6" name="页脚占位符 5">
             <a:extLst>
               <a:ext uri="{FF2B5EF4-FFF2-40B4-BE49-F238E27FC236}">
-                <a16:creationId xmlns:a16="http://schemas.microsoft.com/office/drawing/2014/main" id="{7D7E9C7C-155F-AED0-A729-D6E488ACE6D4}"/>
+                <a16:creationId xmlns:a16="http://schemas.microsoft.com/office/drawing/2014/main" id="{FD724E1F-F1DC-798C-2527-311AE9255314}"/>
               </a:ext>
             </a:extLst>
           </p:cNvPr>
@@ -2699,7 +2699,7 @@
           <p:cNvPr id="7" name="灯片编号占位符 6">
             <a:extLst>
               <a:ext uri="{FF2B5EF4-FFF2-40B4-BE49-F238E27FC236}">
-                <a16:creationId xmlns:a16="http://schemas.microsoft.com/office/drawing/2014/main" id="{43087051-613C-9565-62C2-FEE81D0F9B65}"/>
+                <a16:creationId xmlns:a16="http://schemas.microsoft.com/office/drawing/2014/main" id="{50BD80B3-8172-A816-E83A-ACC62333BB70}"/>
               </a:ext>
             </a:extLst>
           </p:cNvPr>
@@ -2715,7 +2715,7 @@
           <a:bodyPr/>
           <a:lstStyle/>
           <a:p>
-            <a:fld id="{B562362B-BCC4-4568-8CB1-16B368EC858B}" type="slidenum">
+            <a:fld id="{556668FB-1C49-47BE-A345-8FC5DDBCD3CE}" type="slidenum">
               <a:rPr lang="zh-CN" altLang="en-US" smtClean="0"/>
               <a:t>‹#›</a:t>
             </a:fld>
@@ -2726,7 +2726,7 @@
     </p:spTree>
     <p:extLst>
       <p:ext uri="{BB962C8B-B14F-4D97-AF65-F5344CB8AC3E}">
-        <p14:creationId xmlns:p14="http://schemas.microsoft.com/office/powerpoint/2010/main" val="1530547187"/>
+        <p14:creationId xmlns:p14="http://schemas.microsoft.com/office/powerpoint/2010/main" val="958037635"/>
       </p:ext>
     </p:extLst>
   </p:cSld>
@@ -2763,7 +2763,7 @@
           <p:cNvPr id="2" name="标题占位符 1">
             <a:extLst>
               <a:ext uri="{FF2B5EF4-FFF2-40B4-BE49-F238E27FC236}">
-                <a16:creationId xmlns:a16="http://schemas.microsoft.com/office/drawing/2014/main" id="{EB985920-671C-41D5-DE30-85C1C4D78F45}"/>
+                <a16:creationId xmlns:a16="http://schemas.microsoft.com/office/drawing/2014/main" id="{73C2C8F4-77EB-67DD-C995-2FFF0BAD83B9}"/>
               </a:ext>
             </a:extLst>
           </p:cNvPr>
@@ -2801,7 +2801,7 @@
           <p:cNvPr id="3" name="文本占位符 2">
             <a:extLst>
               <a:ext uri="{FF2B5EF4-FFF2-40B4-BE49-F238E27FC236}">
-                <a16:creationId xmlns:a16="http://schemas.microsoft.com/office/drawing/2014/main" id="{AEE1C28F-EAED-DE2B-1B66-D7824C1408BC}"/>
+                <a16:creationId xmlns:a16="http://schemas.microsoft.com/office/drawing/2014/main" id="{ED49BF06-DFB4-CC1A-2954-9B63325B5C4F}"/>
               </a:ext>
             </a:extLst>
           </p:cNvPr>
@@ -2868,7 +2868,7 @@
           <p:cNvPr id="4" name="日期占位符 3">
             <a:extLst>
               <a:ext uri="{FF2B5EF4-FFF2-40B4-BE49-F238E27FC236}">
-                <a16:creationId xmlns:a16="http://schemas.microsoft.com/office/drawing/2014/main" id="{4E05F2B8-8A00-2977-ECB2-647ECAA95F78}"/>
+                <a16:creationId xmlns:a16="http://schemas.microsoft.com/office/drawing/2014/main" id="{E6AC4AAC-34C3-548B-DDDE-40298C17B3DE}"/>
               </a:ext>
             </a:extLst>
           </p:cNvPr>
@@ -2902,7 +2902,7 @@
             </a:lvl1pPr>
           </a:lstStyle>
           <a:p>
-            <a:fld id="{F24AEA26-3735-4509-9CBB-0D51C3C85FDC}" type="datetimeFigureOut">
+            <a:fld id="{B11D835C-9404-46E4-9510-73B77BD41D2A}" type="datetimeFigureOut">
               <a:rPr lang="zh-CN" altLang="en-US" smtClean="0"/>
               <a:t>2024/3/10</a:t>
             </a:fld>
@@ -2915,7 +2915,7 @@
           <p:cNvPr id="5" name="页脚占位符 4">
             <a:extLst>
               <a:ext uri="{FF2B5EF4-FFF2-40B4-BE49-F238E27FC236}">
-                <a16:creationId xmlns:a16="http://schemas.microsoft.com/office/drawing/2014/main" id="{54676A6B-DA09-82EA-C223-BC1426E26E6D}"/>
+                <a16:creationId xmlns:a16="http://schemas.microsoft.com/office/drawing/2014/main" id="{18FB6D3C-B69A-2404-1226-DE1D46DE0498}"/>
               </a:ext>
             </a:extLst>
           </p:cNvPr>
@@ -2958,7 +2958,7 @@
           <p:cNvPr id="6" name="灯片编号占位符 5">
             <a:extLst>
               <a:ext uri="{FF2B5EF4-FFF2-40B4-BE49-F238E27FC236}">
-                <a16:creationId xmlns:a16="http://schemas.microsoft.com/office/drawing/2014/main" id="{CCDBE361-D367-336A-D782-FB27ED3273E2}"/>
+                <a16:creationId xmlns:a16="http://schemas.microsoft.com/office/drawing/2014/main" id="{6F0D32FA-0449-FB16-34A9-81B4478DFECA}"/>
               </a:ext>
             </a:extLst>
           </p:cNvPr>
@@ -2992,7 +2992,7 @@
             </a:lvl1pPr>
           </a:lstStyle>
           <a:p>
-            <a:fld id="{B562362B-BCC4-4568-8CB1-16B368EC858B}" type="slidenum">
+            <a:fld id="{556668FB-1C49-47BE-A345-8FC5DDBCD3CE}" type="slidenum">
               <a:rPr lang="zh-CN" altLang="en-US" smtClean="0"/>
               <a:t>‹#›</a:t>
             </a:fld>
@@ -3003,7 +3003,7 @@
     </p:spTree>
     <p:extLst>
       <p:ext uri="{BB962C8B-B14F-4D97-AF65-F5344CB8AC3E}">
-        <p14:creationId xmlns:p14="http://schemas.microsoft.com/office/powerpoint/2010/main" val="3055849687"/>
+        <p14:creationId xmlns:p14="http://schemas.microsoft.com/office/powerpoint/2010/main" val="4212312013"/>
       </p:ext>
     </p:extLst>
   </p:cSld>
@@ -3323,7 +3323,7 @@
       </p:grpSpPr>
       <p:pic>
         <p:nvPicPr>
-          <p:cNvPr id="485378" name="Picture 2" descr="473"/>
+          <p:cNvPr id="486402" name="Picture 2" descr="474"/>
           <p:cNvPicPr>
             <a:picLocks noChangeAspect="1" noChangeArrowheads="1"/>
           </p:cNvPicPr>
@@ -3345,7 +3345,7 @@
         <p:spPr bwMode="auto">
           <a:xfrm>
             <a:off x="1524000" y="0"/>
-            <a:ext cx="9144000" cy="6859588"/>
+            <a:ext cx="9144000" cy="6858000"/>
           </a:xfrm>
           <a:prstGeom prst="rect">
             <a:avLst/>
